--- a/Presentation.pptx
+++ b/Presentation.pptx
@@ -3115,7 +3115,7 @@
   <p:cSld>
     <p:spTree>
       <p:nvGrpSpPr>
-        <p:cNvPr id="107" name="Shape 107"/>
+        <p:cNvPr id="106" name="Shape 106"/>
         <p:cNvGrpSpPr/>
         <p:nvPr/>
       </p:nvGrpSpPr>
@@ -3129,7 +3129,7 @@
       </p:grpSpPr>
       <p:sp>
         <p:nvSpPr>
-          <p:cNvPr id="108" name="Google Shape;108;g5f1230267b_0_226:notes"/>
+          <p:cNvPr id="107" name="Google Shape;107;g5f1230267b_0_226:notes"/>
           <p:cNvSpPr/>
           <p:nvPr>
             <p:ph idx="2" type="sldImg"/>
@@ -3164,7 +3164,7 @@
       </p:sp>
       <p:sp>
         <p:nvSpPr>
-          <p:cNvPr id="109" name="Google Shape;109;g5f1230267b_0_226:notes"/>
+          <p:cNvPr id="108" name="Google Shape;108;g5f1230267b_0_226:notes"/>
           <p:cNvSpPr txBox="1"/>
           <p:nvPr>
             <p:ph idx="1" type="body"/>
@@ -3753,7 +3753,7 @@
   <p:cSld>
     <p:spTree>
       <p:nvGrpSpPr>
-        <p:cNvPr id="114" name="Shape 114"/>
+        <p:cNvPr id="113" name="Shape 113"/>
         <p:cNvGrpSpPr/>
         <p:nvPr/>
       </p:nvGrpSpPr>
@@ -3767,7 +3767,7 @@
       </p:grpSpPr>
       <p:sp>
         <p:nvSpPr>
-          <p:cNvPr id="115" name="Google Shape;115;g5f1230267b_0_231:notes"/>
+          <p:cNvPr id="114" name="Google Shape;114;g5f1230267b_0_231:notes"/>
           <p:cNvSpPr/>
           <p:nvPr>
             <p:ph idx="2" type="sldImg"/>
@@ -3802,7 +3802,7 @@
       </p:sp>
       <p:sp>
         <p:nvSpPr>
-          <p:cNvPr id="116" name="Google Shape;116;g5f1230267b_0_231:notes"/>
+          <p:cNvPr id="115" name="Google Shape;115;g5f1230267b_0_231:notes"/>
           <p:cNvSpPr txBox="1"/>
           <p:nvPr>
             <p:ph idx="1" type="body"/>
@@ -4130,7 +4130,7 @@
   <p:cSld>
     <p:spTree>
       <p:nvGrpSpPr>
-        <p:cNvPr id="120" name="Shape 120"/>
+        <p:cNvPr id="119" name="Shape 119"/>
         <p:cNvGrpSpPr/>
         <p:nvPr/>
       </p:nvGrpSpPr>
@@ -4144,7 +4144,7 @@
       </p:grpSpPr>
       <p:sp>
         <p:nvSpPr>
-          <p:cNvPr id="121" name="Google Shape;121;g5f1230267b_0_239:notes"/>
+          <p:cNvPr id="120" name="Google Shape;120;g5f1230267b_0_239:notes"/>
           <p:cNvSpPr/>
           <p:nvPr>
             <p:ph idx="2" type="sldImg"/>
@@ -4179,7 +4179,7 @@
       </p:sp>
       <p:sp>
         <p:nvSpPr>
-          <p:cNvPr id="122" name="Google Shape;122;g5f1230267b_0_239:notes"/>
+          <p:cNvPr id="121" name="Google Shape;121;g5f1230267b_0_239:notes"/>
           <p:cNvSpPr txBox="1"/>
           <p:nvPr>
             <p:ph idx="1" type="body"/>
@@ -12126,37 +12126,9 @@
           </a:p>
         </p:txBody>
       </p:sp>
-      <p:pic>
-        <p:nvPicPr>
-          <p:cNvPr id="100" name="Google Shape;100;p17"/>
-          <p:cNvPicPr preferRelativeResize="0"/>
-          <p:nvPr/>
-        </p:nvPicPr>
-        <p:blipFill>
-          <a:blip r:embed="rId3">
-            <a:alphaModFix/>
-          </a:blip>
-          <a:stretch>
-            <a:fillRect/>
-          </a:stretch>
-        </p:blipFill>
-        <p:spPr>
-          <a:xfrm>
-            <a:off x="-98275" y="616625"/>
-            <a:ext cx="9144001" cy="318977"/>
-          </a:xfrm>
-          <a:prstGeom prst="rect">
-            <a:avLst/>
-          </a:prstGeom>
-          <a:noFill/>
-          <a:ln>
-            <a:noFill/>
-          </a:ln>
-        </p:spPr>
-      </p:pic>
       <p:sp>
         <p:nvSpPr>
-          <p:cNvPr id="101" name="Google Shape;101;p17"/>
+          <p:cNvPr id="100" name="Google Shape;100;p17"/>
           <p:cNvSpPr txBox="1"/>
           <p:nvPr/>
         </p:nvSpPr>
@@ -12219,6 +12191,34 @@
       </p:sp>
       <p:pic>
         <p:nvPicPr>
+          <p:cNvPr id="101" name="Google Shape;101;p17"/>
+          <p:cNvPicPr preferRelativeResize="0"/>
+          <p:nvPr/>
+        </p:nvPicPr>
+        <p:blipFill>
+          <a:blip r:embed="rId3">
+            <a:alphaModFix/>
+          </a:blip>
+          <a:stretch>
+            <a:fillRect/>
+          </a:stretch>
+        </p:blipFill>
+        <p:spPr>
+          <a:xfrm>
+            <a:off x="3625087" y="2294796"/>
+            <a:ext cx="5429487" cy="2848700"/>
+          </a:xfrm>
+          <a:prstGeom prst="rect">
+            <a:avLst/>
+          </a:prstGeom>
+          <a:noFill/>
+          <a:ln>
+            <a:noFill/>
+          </a:ln>
+        </p:spPr>
+      </p:pic>
+      <p:pic>
+        <p:nvPicPr>
           <p:cNvPr id="102" name="Google Shape;102;p17"/>
           <p:cNvPicPr preferRelativeResize="0"/>
           <p:nvPr/>
@@ -12233,8 +12233,8 @@
         </p:blipFill>
         <p:spPr>
           <a:xfrm>
-            <a:off x="3625087" y="2294796"/>
-            <a:ext cx="5429487" cy="2848700"/>
+            <a:off x="3633934" y="2294800"/>
+            <a:ext cx="5411779" cy="2848700"/>
           </a:xfrm>
           <a:prstGeom prst="rect">
             <a:avLst/>
@@ -12261,8 +12261,8 @@
         </p:blipFill>
         <p:spPr>
           <a:xfrm>
-            <a:off x="3633934" y="2294800"/>
-            <a:ext cx="5411779" cy="2848700"/>
+            <a:off x="3359121" y="3896763"/>
+            <a:ext cx="5686595" cy="1246725"/>
           </a:xfrm>
           <a:prstGeom prst="rect">
             <a:avLst/>
@@ -12289,8 +12289,8 @@
         </p:blipFill>
         <p:spPr>
           <a:xfrm>
-            <a:off x="3359121" y="3896763"/>
-            <a:ext cx="5686595" cy="1246725"/>
+            <a:off x="5558596" y="2294800"/>
+            <a:ext cx="3487117" cy="2848701"/>
           </a:xfrm>
           <a:prstGeom prst="rect">
             <a:avLst/>
@@ -12309,34 +12309,6 @@
         </p:nvPicPr>
         <p:blipFill>
           <a:blip r:embed="rId7">
-            <a:alphaModFix/>
-          </a:blip>
-          <a:stretch>
-            <a:fillRect/>
-          </a:stretch>
-        </p:blipFill>
-        <p:spPr>
-          <a:xfrm>
-            <a:off x="5558596" y="2294800"/>
-            <a:ext cx="3487117" cy="2848701"/>
-          </a:xfrm>
-          <a:prstGeom prst="rect">
-            <a:avLst/>
-          </a:prstGeom>
-          <a:noFill/>
-          <a:ln>
-            <a:noFill/>
-          </a:ln>
-        </p:spPr>
-      </p:pic>
-      <p:pic>
-        <p:nvPicPr>
-          <p:cNvPr id="106" name="Google Shape;106;p17"/>
-          <p:cNvPicPr preferRelativeResize="0"/>
-          <p:nvPr/>
-        </p:nvPicPr>
-        <p:blipFill>
-          <a:blip r:embed="rId8">
             <a:alphaModFix/>
           </a:blip>
           <a:stretch>
@@ -12396,7 +12368,7 @@
                                           </p:stCondLst>
                                         </p:cTn>
                                         <p:tgtEl>
-                                          <p:spTgt spid="100"/>
+                                          <p:spTgt spid="103"/>
                                         </p:tgtEl>
                                         <p:attrNameLst>
                                           <p:attrName>style.visibility</p:attrName>
@@ -12410,10 +12382,179 @@
                                       <p:cBhvr>
                                         <p:cTn dur="1000"/>
                                         <p:tgtEl>
-                                          <p:spTgt spid="100"/>
+                                          <p:spTgt spid="103"/>
                                         </p:tgtEl>
                                       </p:cBhvr>
                                     </p:animEffect>
+                                  </p:childTnLst>
+                                </p:cTn>
+                              </p:par>
+                            </p:childTnLst>
+                          </p:cTn>
+                        </p:par>
+                      </p:childTnLst>
+                    </p:cTn>
+                  </p:par>
+                  <p:par>
+                    <p:cTn fill="hold">
+                      <p:stCondLst>
+                        <p:cond delay="indefinite"/>
+                      </p:stCondLst>
+                      <p:childTnLst>
+                        <p:par>
+                          <p:cTn fill="hold">
+                            <p:stCondLst>
+                              <p:cond delay="0"/>
+                            </p:stCondLst>
+                            <p:childTnLst>
+                              <p:par>
+                                <p:cTn fill="hold" nodeType="clickEffect" presetClass="entr" presetID="10" presetSubtype="0">
+                                  <p:stCondLst>
+                                    <p:cond delay="0"/>
+                                  </p:stCondLst>
+                                  <p:childTnLst>
+                                    <p:set>
+                                      <p:cBhvr>
+                                        <p:cTn dur="1" fill="hold">
+                                          <p:stCondLst>
+                                            <p:cond delay="0"/>
+                                          </p:stCondLst>
+                                        </p:cTn>
+                                        <p:tgtEl>
+                                          <p:spTgt spid="102"/>
+                                        </p:tgtEl>
+                                        <p:attrNameLst>
+                                          <p:attrName>style.visibility</p:attrName>
+                                        </p:attrNameLst>
+                                      </p:cBhvr>
+                                      <p:to>
+                                        <p:strVal val="visible"/>
+                                      </p:to>
+                                    </p:set>
+                                    <p:animEffect filter="fade" transition="in">
+                                      <p:cBhvr>
+                                        <p:cTn dur="1000"/>
+                                        <p:tgtEl>
+                                          <p:spTgt spid="102"/>
+                                        </p:tgtEl>
+                                      </p:cBhvr>
+                                    </p:animEffect>
+                                  </p:childTnLst>
+                                </p:cTn>
+                              </p:par>
+                              <p:par>
+                                <p:cTn fill="hold" nodeType="withEffect" presetClass="exit" presetID="1" presetSubtype="0">
+                                  <p:stCondLst>
+                                    <p:cond delay="0"/>
+                                  </p:stCondLst>
+                                  <p:childTnLst>
+                                    <p:set>
+                                      <p:cBhvr>
+                                        <p:cTn dur="1" fill="hold">
+                                          <p:stCondLst>
+                                            <p:cond delay="1000"/>
+                                          </p:stCondLst>
+                                        </p:cTn>
+                                        <p:tgtEl>
+                                          <p:spTgt spid="103"/>
+                                        </p:tgtEl>
+                                        <p:attrNameLst>
+                                          <p:attrName>style.visibility</p:attrName>
+                                        </p:attrNameLst>
+                                      </p:cBhvr>
+                                      <p:to>
+                                        <p:strVal val="hidden"/>
+                                      </p:to>
+                                    </p:set>
+                                  </p:childTnLst>
+                                </p:cTn>
+                              </p:par>
+                            </p:childTnLst>
+                          </p:cTn>
+                        </p:par>
+                      </p:childTnLst>
+                    </p:cTn>
+                  </p:par>
+                  <p:par>
+                    <p:cTn fill="hold">
+                      <p:stCondLst>
+                        <p:cond delay="indefinite"/>
+                      </p:stCondLst>
+                      <p:childTnLst>
+                        <p:par>
+                          <p:cTn fill="hold">
+                            <p:stCondLst>
+                              <p:cond delay="0"/>
+                            </p:stCondLst>
+                            <p:childTnLst>
+                              <p:par>
+                                <p:cTn fill="hold" nodeType="clickEffect" presetClass="entr" presetID="10" presetSubtype="0">
+                                  <p:stCondLst>
+                                    <p:cond delay="0"/>
+                                  </p:stCondLst>
+                                  <p:childTnLst>
+                                    <p:set>
+                                      <p:cBhvr>
+                                        <p:cTn dur="1" fill="hold">
+                                          <p:stCondLst>
+                                            <p:cond delay="0"/>
+                                          </p:stCondLst>
+                                        </p:cTn>
+                                        <p:tgtEl>
+                                          <p:spTgt spid="101"/>
+                                        </p:tgtEl>
+                                        <p:attrNameLst>
+                                          <p:attrName>style.visibility</p:attrName>
+                                        </p:attrNameLst>
+                                      </p:cBhvr>
+                                      <p:to>
+                                        <p:strVal val="visible"/>
+                                      </p:to>
+                                    </p:set>
+                                    <p:animEffect filter="fade" transition="in">
+                                      <p:cBhvr>
+                                        <p:cTn dur="1000"/>
+                                        <p:tgtEl>
+                                          <p:spTgt spid="101"/>
+                                        </p:tgtEl>
+                                      </p:cBhvr>
+                                    </p:animEffect>
+                                  </p:childTnLst>
+                                </p:cTn>
+                              </p:par>
+                            </p:childTnLst>
+                          </p:cTn>
+                        </p:par>
+                        <p:par>
+                          <p:cTn fill="hold">
+                            <p:stCondLst>
+                              <p:cond delay="1000"/>
+                            </p:stCondLst>
+                            <p:childTnLst>
+                              <p:par>
+                                <p:cTn fill="hold" nodeType="afterEffect" presetClass="exit" presetID="1" presetSubtype="0">
+                                  <p:stCondLst>
+                                    <p:cond delay="0"/>
+                                  </p:stCondLst>
+                                  <p:childTnLst>
+                                    <p:set>
+                                      <p:cBhvr>
+                                        <p:cTn dur="1" fill="hold">
+                                          <p:stCondLst>
+                                            <p:cond delay="1000"/>
+                                          </p:stCondLst>
+                                        </p:cTn>
+                                        <p:tgtEl>
+                                          <p:spTgt spid="102"/>
+                                        </p:tgtEl>
+                                        <p:attrNameLst>
+                                          <p:attrName>style.visibility</p:attrName>
+                                        </p:attrNameLst>
+                                      </p:cBhvr>
+                                      <p:to>
+                                        <p:strVal val="hidden"/>
+                                      </p:to>
+                                    </p:set>
                                   </p:childTnLst>
                                 </p:cTn>
                               </p:par>
@@ -12470,59 +12611,6 @@
                                   </p:childTnLst>
                                 </p:cTn>
                               </p:par>
-                            </p:childTnLst>
-                          </p:cTn>
-                        </p:par>
-                      </p:childTnLst>
-                    </p:cTn>
-                  </p:par>
-                  <p:par>
-                    <p:cTn fill="hold">
-                      <p:stCondLst>
-                        <p:cond delay="indefinite"/>
-                      </p:stCondLst>
-                      <p:childTnLst>
-                        <p:par>
-                          <p:cTn fill="hold">
-                            <p:stCondLst>
-                              <p:cond delay="0"/>
-                            </p:stCondLst>
-                            <p:childTnLst>
-                              <p:par>
-                                <p:cTn fill="hold" nodeType="clickEffect" presetClass="entr" presetID="10" presetSubtype="0">
-                                  <p:stCondLst>
-                                    <p:cond delay="0"/>
-                                  </p:stCondLst>
-                                  <p:childTnLst>
-                                    <p:set>
-                                      <p:cBhvr>
-                                        <p:cTn dur="1" fill="hold">
-                                          <p:stCondLst>
-                                            <p:cond delay="0"/>
-                                          </p:stCondLst>
-                                        </p:cTn>
-                                        <p:tgtEl>
-                                          <p:spTgt spid="103"/>
-                                        </p:tgtEl>
-                                        <p:attrNameLst>
-                                          <p:attrName>style.visibility</p:attrName>
-                                        </p:attrNameLst>
-                                      </p:cBhvr>
-                                      <p:to>
-                                        <p:strVal val="visible"/>
-                                      </p:to>
-                                    </p:set>
-                                    <p:animEffect filter="fade" transition="in">
-                                      <p:cBhvr>
-                                        <p:cTn dur="1000"/>
-                                        <p:tgtEl>
-                                          <p:spTgt spid="103"/>
-                                        </p:tgtEl>
-                                      </p:cBhvr>
-                                    </p:animEffect>
-                                  </p:childTnLst>
-                                </p:cTn>
-                              </p:par>
                               <p:par>
                                 <p:cTn fill="hold" nodeType="withEffect" presetClass="exit" presetID="1" presetSubtype="0">
                                   <p:stCondLst>
@@ -12537,96 +12625,7 @@
                                           </p:stCondLst>
                                         </p:cTn>
                                         <p:tgtEl>
-                                          <p:spTgt spid="104"/>
-                                        </p:tgtEl>
-                                        <p:attrNameLst>
-                                          <p:attrName>style.visibility</p:attrName>
-                                        </p:attrNameLst>
-                                      </p:cBhvr>
-                                      <p:to>
-                                        <p:strVal val="hidden"/>
-                                      </p:to>
-                                    </p:set>
-                                  </p:childTnLst>
-                                </p:cTn>
-                              </p:par>
-                            </p:childTnLst>
-                          </p:cTn>
-                        </p:par>
-                      </p:childTnLst>
-                    </p:cTn>
-                  </p:par>
-                  <p:par>
-                    <p:cTn fill="hold">
-                      <p:stCondLst>
-                        <p:cond delay="indefinite"/>
-                      </p:stCondLst>
-                      <p:childTnLst>
-                        <p:par>
-                          <p:cTn fill="hold">
-                            <p:stCondLst>
-                              <p:cond delay="0"/>
-                            </p:stCondLst>
-                            <p:childTnLst>
-                              <p:par>
-                                <p:cTn fill="hold" nodeType="clickEffect" presetClass="entr" presetID="10" presetSubtype="0">
-                                  <p:stCondLst>
-                                    <p:cond delay="0"/>
-                                  </p:stCondLst>
-                                  <p:childTnLst>
-                                    <p:set>
-                                      <p:cBhvr>
-                                        <p:cTn dur="1" fill="hold">
-                                          <p:stCondLst>
-                                            <p:cond delay="0"/>
-                                          </p:stCondLst>
-                                        </p:cTn>
-                                        <p:tgtEl>
-                                          <p:spTgt spid="102"/>
-                                        </p:tgtEl>
-                                        <p:attrNameLst>
-                                          <p:attrName>style.visibility</p:attrName>
-                                        </p:attrNameLst>
-                                      </p:cBhvr>
-                                      <p:to>
-                                        <p:strVal val="visible"/>
-                                      </p:to>
-                                    </p:set>
-                                    <p:animEffect filter="fade" transition="in">
-                                      <p:cBhvr>
-                                        <p:cTn dur="1000"/>
-                                        <p:tgtEl>
-                                          <p:spTgt spid="102"/>
-                                        </p:tgtEl>
-                                      </p:cBhvr>
-                                    </p:animEffect>
-                                  </p:childTnLst>
-                                </p:cTn>
-                              </p:par>
-                            </p:childTnLst>
-                          </p:cTn>
-                        </p:par>
-                        <p:par>
-                          <p:cTn fill="hold">
-                            <p:stCondLst>
-                              <p:cond delay="1000"/>
-                            </p:stCondLst>
-                            <p:childTnLst>
-                              <p:par>
-                                <p:cTn fill="hold" nodeType="afterEffect" presetClass="exit" presetID="1" presetSubtype="0">
-                                  <p:stCondLst>
-                                    <p:cond delay="0"/>
-                                  </p:stCondLst>
-                                  <p:childTnLst>
-                                    <p:set>
-                                      <p:cBhvr>
-                                        <p:cTn dur="1" fill="hold">
-                                          <p:stCondLst>
-                                            <p:cond delay="1000"/>
-                                          </p:stCondLst>
-                                        </p:cTn>
-                                        <p:tgtEl>
-                                          <p:spTgt spid="103"/>
+                                          <p:spTgt spid="101"/>
                                         </p:tgtEl>
                                         <p:attrNameLst>
                                           <p:attrName>style.visibility</p:attrName>
@@ -12693,86 +12692,6 @@
                                 </p:cTn>
                               </p:par>
                               <p:par>
-                                <p:cTn fill="hold" nodeType="withEffect" presetClass="exit" presetID="1" presetSubtype="0">
-                                  <p:stCondLst>
-                                    <p:cond delay="0"/>
-                                  </p:stCondLst>
-                                  <p:childTnLst>
-                                    <p:set>
-                                      <p:cBhvr>
-                                        <p:cTn dur="1" fill="hold">
-                                          <p:stCondLst>
-                                            <p:cond delay="1000"/>
-                                          </p:stCondLst>
-                                        </p:cTn>
-                                        <p:tgtEl>
-                                          <p:spTgt spid="102"/>
-                                        </p:tgtEl>
-                                        <p:attrNameLst>
-                                          <p:attrName>style.visibility</p:attrName>
-                                        </p:attrNameLst>
-                                      </p:cBhvr>
-                                      <p:to>
-                                        <p:strVal val="hidden"/>
-                                      </p:to>
-                                    </p:set>
-                                  </p:childTnLst>
-                                </p:cTn>
-                              </p:par>
-                            </p:childTnLst>
-                          </p:cTn>
-                        </p:par>
-                      </p:childTnLst>
-                    </p:cTn>
-                  </p:par>
-                  <p:par>
-                    <p:cTn fill="hold">
-                      <p:stCondLst>
-                        <p:cond delay="indefinite"/>
-                      </p:stCondLst>
-                      <p:childTnLst>
-                        <p:par>
-                          <p:cTn fill="hold">
-                            <p:stCondLst>
-                              <p:cond delay="0"/>
-                            </p:stCondLst>
-                            <p:childTnLst>
-                              <p:par>
-                                <p:cTn fill="hold" nodeType="clickEffect" presetClass="entr" presetID="10" presetSubtype="0">
-                                  <p:stCondLst>
-                                    <p:cond delay="0"/>
-                                  </p:stCondLst>
-                                  <p:childTnLst>
-                                    <p:set>
-                                      <p:cBhvr>
-                                        <p:cTn dur="1" fill="hold">
-                                          <p:stCondLst>
-                                            <p:cond delay="0"/>
-                                          </p:stCondLst>
-                                        </p:cTn>
-                                        <p:tgtEl>
-                                          <p:spTgt spid="106"/>
-                                        </p:tgtEl>
-                                        <p:attrNameLst>
-                                          <p:attrName>style.visibility</p:attrName>
-                                        </p:attrNameLst>
-                                      </p:cBhvr>
-                                      <p:to>
-                                        <p:strVal val="visible"/>
-                                      </p:to>
-                                    </p:set>
-                                    <p:animEffect filter="fade" transition="in">
-                                      <p:cBhvr>
-                                        <p:cTn dur="1000"/>
-                                        <p:tgtEl>
-                                          <p:spTgt spid="106"/>
-                                        </p:tgtEl>
-                                      </p:cBhvr>
-                                    </p:animEffect>
-                                  </p:childTnLst>
-                                </p:cTn>
-                              </p:par>
-                              <p:par>
                                 <p:cTn fill="hold" nodeType="withEffect" presetClass="exit" presetID="10" presetSubtype="0">
                                   <p:stCondLst>
                                     <p:cond delay="0"/>
@@ -12782,7 +12701,7 @@
                                       <p:cBhvr>
                                         <p:cTn dur="1000"/>
                                         <p:tgtEl>
-                                          <p:spTgt spid="105"/>
+                                          <p:spTgt spid="104"/>
                                         </p:tgtEl>
                                       </p:cBhvr>
                                     </p:animEffect>
@@ -12794,7 +12713,7 @@
                                           </p:stCondLst>
                                         </p:cTn>
                                         <p:tgtEl>
-                                          <p:spTgt spid="105"/>
+                                          <p:spTgt spid="104"/>
                                         </p:tgtEl>
                                         <p:attrNameLst>
                                           <p:attrName>style.visibility</p:attrName>
@@ -12843,7 +12762,7 @@
   <p:cSld>
     <p:spTree>
       <p:nvGrpSpPr>
-        <p:cNvPr id="110" name="Shape 110"/>
+        <p:cNvPr id="109" name="Shape 109"/>
         <p:cNvGrpSpPr/>
         <p:nvPr/>
       </p:nvGrpSpPr>
@@ -12857,7 +12776,7 @@
       </p:grpSpPr>
       <p:sp>
         <p:nvSpPr>
-          <p:cNvPr id="111" name="Google Shape;111;p18"/>
+          <p:cNvPr id="110" name="Google Shape;110;p18"/>
           <p:cNvSpPr txBox="1"/>
           <p:nvPr>
             <p:ph type="title"/>
@@ -12897,7 +12816,7 @@
       </p:sp>
       <p:sp>
         <p:nvSpPr>
-          <p:cNvPr id="112" name="Google Shape;112;p18"/>
+          <p:cNvPr id="111" name="Google Shape;111;p18"/>
           <p:cNvSpPr txBox="1"/>
           <p:nvPr>
             <p:ph idx="1" type="body"/>
@@ -13040,7 +12959,7 @@
       </p:sp>
       <p:pic>
         <p:nvPicPr>
-          <p:cNvPr id="113" name="Google Shape;113;p18"/>
+          <p:cNvPr id="112" name="Google Shape;112;p18"/>
           <p:cNvPicPr preferRelativeResize="0"/>
           <p:nvPr/>
         </p:nvPicPr>
@@ -13105,7 +13024,7 @@
                                           </p:stCondLst>
                                         </p:cTn>
                                         <p:tgtEl>
-                                          <p:spTgt spid="113"/>
+                                          <p:spTgt spid="112"/>
                                         </p:tgtEl>
                                         <p:attrNameLst>
                                           <p:attrName>style.visibility</p:attrName>
@@ -13119,7 +13038,7 @@
                                       <p:cBhvr>
                                         <p:cTn dur="1000"/>
                                         <p:tgtEl>
-                                          <p:spTgt spid="113"/>
+                                          <p:spTgt spid="112"/>
                                         </p:tgtEl>
                                       </p:cBhvr>
                                     </p:animEffect>
@@ -13158,7 +13077,7 @@
                                           </p:stCondLst>
                                         </p:cTn>
                                         <p:tgtEl>
-                                          <p:spTgt spid="113"/>
+                                          <p:spTgt spid="112"/>
                                         </p:tgtEl>
                                         <p:attrNameLst>
                                           <p:attrName>style.visibility</p:attrName>
@@ -13207,7 +13126,7 @@
   <p:cSld>
     <p:spTree>
       <p:nvGrpSpPr>
-        <p:cNvPr id="117" name="Shape 117"/>
+        <p:cNvPr id="116" name="Shape 116"/>
         <p:cNvGrpSpPr/>
         <p:nvPr/>
       </p:nvGrpSpPr>
@@ -13221,7 +13140,7 @@
       </p:grpSpPr>
       <p:sp>
         <p:nvSpPr>
-          <p:cNvPr id="118" name="Google Shape;118;p19"/>
+          <p:cNvPr id="117" name="Google Shape;117;p19"/>
           <p:cNvSpPr txBox="1"/>
           <p:nvPr>
             <p:ph type="title"/>
@@ -13261,7 +13180,7 @@
       </p:sp>
       <p:sp>
         <p:nvSpPr>
-          <p:cNvPr id="119" name="Google Shape;119;p19"/>
+          <p:cNvPr id="118" name="Google Shape;118;p19"/>
           <p:cNvSpPr txBox="1"/>
           <p:nvPr>
             <p:ph idx="1" type="body"/>
@@ -13389,7 +13308,7 @@
   <p:cSld>
     <p:spTree>
       <p:nvGrpSpPr>
-        <p:cNvPr id="123" name="Shape 123"/>
+        <p:cNvPr id="122" name="Shape 122"/>
         <p:cNvGrpSpPr/>
         <p:nvPr/>
       </p:nvGrpSpPr>
@@ -13403,7 +13322,7 @@
       </p:grpSpPr>
       <p:sp>
         <p:nvSpPr>
-          <p:cNvPr id="124" name="Google Shape;124;p20"/>
+          <p:cNvPr id="123" name="Google Shape;123;p20"/>
           <p:cNvSpPr txBox="1"/>
           <p:nvPr>
             <p:ph type="title"/>
@@ -13443,7 +13362,7 @@
       </p:sp>
       <p:sp>
         <p:nvSpPr>
-          <p:cNvPr id="125" name="Google Shape;125;p20"/>
+          <p:cNvPr id="124" name="Google Shape;124;p20"/>
           <p:cNvSpPr txBox="1"/>
           <p:nvPr>
             <p:ph idx="1" type="body"/>
